--- a/修論/本文/figure/fig_3_2_3QW_ridge_L300_GS.pptx
+++ b/修論/本文/figure/fig_3_2_3QW_ridge_L300_GS.pptx
@@ -270,7 +270,7 @@
           <a:p>
             <a:fld id="{F885D8D7-0196-498D-A30B-71F24360671E}" type="datetimeFigureOut">
               <a:rPr kumimoji="1" lang="ja-JP" altLang="en-US" smtClean="0"/>
-              <a:t>2018/12/19</a:t>
+              <a:t>2019/1/2</a:t>
             </a:fld>
             <a:endParaRPr kumimoji="1" lang="ja-JP" altLang="en-US"/>
           </a:p>
@@ -500,7 +500,7 @@
           <a:p>
             <a:fld id="{F885D8D7-0196-498D-A30B-71F24360671E}" type="datetimeFigureOut">
               <a:rPr kumimoji="1" lang="ja-JP" altLang="en-US" smtClean="0"/>
-              <a:t>2018/12/19</a:t>
+              <a:t>2019/1/2</a:t>
             </a:fld>
             <a:endParaRPr kumimoji="1" lang="ja-JP" altLang="en-US"/>
           </a:p>
@@ -740,7 +740,7 @@
           <a:p>
             <a:fld id="{F885D8D7-0196-498D-A30B-71F24360671E}" type="datetimeFigureOut">
               <a:rPr kumimoji="1" lang="ja-JP" altLang="en-US" smtClean="0"/>
-              <a:t>2018/12/19</a:t>
+              <a:t>2019/1/2</a:t>
             </a:fld>
             <a:endParaRPr kumimoji="1" lang="ja-JP" altLang="en-US"/>
           </a:p>
@@ -970,7 +970,7 @@
           <a:p>
             <a:fld id="{F885D8D7-0196-498D-A30B-71F24360671E}" type="datetimeFigureOut">
               <a:rPr kumimoji="1" lang="ja-JP" altLang="en-US" smtClean="0"/>
-              <a:t>2018/12/19</a:t>
+              <a:t>2019/1/2</a:t>
             </a:fld>
             <a:endParaRPr kumimoji="1" lang="ja-JP" altLang="en-US"/>
           </a:p>
@@ -1245,7 +1245,7 @@
           <a:p>
             <a:fld id="{F885D8D7-0196-498D-A30B-71F24360671E}" type="datetimeFigureOut">
               <a:rPr kumimoji="1" lang="ja-JP" altLang="en-US" smtClean="0"/>
-              <a:t>2018/12/19</a:t>
+              <a:t>2019/1/2</a:t>
             </a:fld>
             <a:endParaRPr kumimoji="1" lang="ja-JP" altLang="en-US"/>
           </a:p>
@@ -1574,7 +1574,7 @@
           <a:p>
             <a:fld id="{F885D8D7-0196-498D-A30B-71F24360671E}" type="datetimeFigureOut">
               <a:rPr kumimoji="1" lang="ja-JP" altLang="en-US" smtClean="0"/>
-              <a:t>2018/12/19</a:t>
+              <a:t>2019/1/2</a:t>
             </a:fld>
             <a:endParaRPr kumimoji="1" lang="ja-JP" altLang="en-US"/>
           </a:p>
@@ -2050,7 +2050,7 @@
           <a:p>
             <a:fld id="{F885D8D7-0196-498D-A30B-71F24360671E}" type="datetimeFigureOut">
               <a:rPr kumimoji="1" lang="ja-JP" altLang="en-US" smtClean="0"/>
-              <a:t>2018/12/19</a:t>
+              <a:t>2019/1/2</a:t>
             </a:fld>
             <a:endParaRPr kumimoji="1" lang="ja-JP" altLang="en-US"/>
           </a:p>
@@ -2191,7 +2191,7 @@
           <a:p>
             <a:fld id="{F885D8D7-0196-498D-A30B-71F24360671E}" type="datetimeFigureOut">
               <a:rPr kumimoji="1" lang="ja-JP" altLang="en-US" smtClean="0"/>
-              <a:t>2018/12/19</a:t>
+              <a:t>2019/1/2</a:t>
             </a:fld>
             <a:endParaRPr kumimoji="1" lang="ja-JP" altLang="en-US"/>
           </a:p>
@@ -2304,7 +2304,7 @@
           <a:p>
             <a:fld id="{F885D8D7-0196-498D-A30B-71F24360671E}" type="datetimeFigureOut">
               <a:rPr kumimoji="1" lang="ja-JP" altLang="en-US" smtClean="0"/>
-              <a:t>2018/12/19</a:t>
+              <a:t>2019/1/2</a:t>
             </a:fld>
             <a:endParaRPr kumimoji="1" lang="ja-JP" altLang="en-US"/>
           </a:p>
@@ -2647,7 +2647,7 @@
           <a:p>
             <a:fld id="{F885D8D7-0196-498D-A30B-71F24360671E}" type="datetimeFigureOut">
               <a:rPr kumimoji="1" lang="ja-JP" altLang="en-US" smtClean="0"/>
-              <a:t>2018/12/19</a:t>
+              <a:t>2019/1/2</a:t>
             </a:fld>
             <a:endParaRPr kumimoji="1" lang="ja-JP" altLang="en-US"/>
           </a:p>
@@ -2935,7 +2935,7 @@
           <a:p>
             <a:fld id="{F885D8D7-0196-498D-A30B-71F24360671E}" type="datetimeFigureOut">
               <a:rPr kumimoji="1" lang="ja-JP" altLang="en-US" smtClean="0"/>
-              <a:t>2018/12/19</a:t>
+              <a:t>2019/1/2</a:t>
             </a:fld>
             <a:endParaRPr kumimoji="1" lang="ja-JP" altLang="en-US"/>
           </a:p>
@@ -3208,7 +3208,7 @@
           <a:p>
             <a:fld id="{F885D8D7-0196-498D-A30B-71F24360671E}" type="datetimeFigureOut">
               <a:rPr kumimoji="1" lang="ja-JP" altLang="en-US" smtClean="0"/>
-              <a:t>2018/12/19</a:t>
+              <a:t>2019/1/2</a:t>
             </a:fld>
             <a:endParaRPr kumimoji="1" lang="ja-JP" altLang="en-US"/>
           </a:p>
@@ -3756,6 +3756,105 @@
           </a:p>
         </p:txBody>
       </p:sp>
+      <p:sp>
+        <p:nvSpPr>
+          <p:cNvPr id="2" name="円弧 1">
+            <a:extLst>
+              <a:ext uri="{FF2B5EF4-FFF2-40B4-BE49-F238E27FC236}">
+                <a16:creationId xmlns:a16="http://schemas.microsoft.com/office/drawing/2014/main" id="{28DAC7EC-6144-B648-AAC0-6F039529A3D4}"/>
+              </a:ext>
+            </a:extLst>
+          </p:cNvPr>
+          <p:cNvSpPr/>
+          <p:nvPr/>
+        </p:nvSpPr>
+        <p:spPr>
+          <a:xfrm rot="11263188">
+            <a:off x="3723084" y="200346"/>
+            <a:ext cx="1275865" cy="3759419"/>
+          </a:xfrm>
+          <a:prstGeom prst="arc">
+            <a:avLst/>
+          </a:prstGeom>
+          <a:ln>
+            <a:headEnd type="none" w="med" len="med"/>
+            <a:tailEnd type="arrow" w="med" len="med"/>
+          </a:ln>
+        </p:spPr>
+        <p:style>
+          <a:lnRef idx="1">
+            <a:schemeClr val="accent1"/>
+          </a:lnRef>
+          <a:fillRef idx="0">
+            <a:schemeClr val="accent1"/>
+          </a:fillRef>
+          <a:effectRef idx="0">
+            <a:schemeClr val="accent1"/>
+          </a:effectRef>
+          <a:fontRef idx="minor">
+            <a:schemeClr val="tx1"/>
+          </a:fontRef>
+        </p:style>
+        <p:txBody>
+          <a:bodyPr rtlCol="0" anchor="ctr"/>
+          <a:lstStyle/>
+          <a:p>
+            <a:pPr algn="ctr"/>
+            <a:endParaRPr kumimoji="1" lang="ja-JP" altLang="en-US"/>
+          </a:p>
+        </p:txBody>
+      </p:sp>
+      <p:sp>
+        <p:nvSpPr>
+          <p:cNvPr id="9" name="円弧 8">
+            <a:extLst>
+              <a:ext uri="{FF2B5EF4-FFF2-40B4-BE49-F238E27FC236}">
+                <a16:creationId xmlns:a16="http://schemas.microsoft.com/office/drawing/2014/main" id="{2F75C090-8C95-BD4F-B7CD-305CA22D9CF7}"/>
+              </a:ext>
+            </a:extLst>
+          </p:cNvPr>
+          <p:cNvSpPr/>
+          <p:nvPr/>
+        </p:nvSpPr>
+        <p:spPr>
+          <a:xfrm rot="4892672">
+            <a:off x="-210814" y="-90787"/>
+            <a:ext cx="3787577" cy="4621795"/>
+          </a:xfrm>
+          <a:prstGeom prst="arc">
+            <a:avLst>
+              <a:gd name="adj1" fmla="val 16322304"/>
+              <a:gd name="adj2" fmla="val 0"/>
+            </a:avLst>
+          </a:prstGeom>
+          <a:ln>
+            <a:headEnd type="none" w="med" len="med"/>
+            <a:tailEnd type="arrow" w="med" len="med"/>
+          </a:ln>
+        </p:spPr>
+        <p:style>
+          <a:lnRef idx="1">
+            <a:schemeClr val="accent1"/>
+          </a:lnRef>
+          <a:fillRef idx="0">
+            <a:schemeClr val="accent1"/>
+          </a:fillRef>
+          <a:effectRef idx="0">
+            <a:schemeClr val="accent1"/>
+          </a:effectRef>
+          <a:fontRef idx="minor">
+            <a:schemeClr val="tx1"/>
+          </a:fontRef>
+        </p:style>
+        <p:txBody>
+          <a:bodyPr rtlCol="0" anchor="ctr"/>
+          <a:lstStyle/>
+          <a:p>
+            <a:pPr algn="ctr"/>
+            <a:endParaRPr kumimoji="1" lang="ja-JP" altLang="en-US"/>
+          </a:p>
+        </p:txBody>
+      </p:sp>
     </p:spTree>
     <p:extLst>
       <p:ext uri="{BB962C8B-B14F-4D97-AF65-F5344CB8AC3E}">
